--- a/Python-Nhom5.pptx
+++ b/Python-Nhom5.pptx
@@ -8616,7 +8616,7 @@
         <p:push/>
       </p:transition>
     </mc:Choice>
-    <mc:Fallback xmlns:ahyp="http://schemas.microsoft.com/office/drawing/2018/hyperlinkcolor" xmlns:p15="http://schemas.microsoft.com/office/powerpoint/2012/main" xmlns:com="http://schemas.openxmlformats.org/drawingml/2006/compatibility" xmlns:pvml="urn:schemas-microsoft-com:office:powerpoint" xmlns:v="urn:schemas-microsoft-com:vml" xmlns:o="urn:schemas-microsoft-com:office:office" xmlns:dgm="http://schemas.openxmlformats.org/drawingml/2006/diagram" xmlns:c="http://schemas.openxmlformats.org/drawingml/2006/chart" xmlns:mv="urn:schemas-microsoft-com:mac:vml" xmlns="">
+    <mc:Fallback xmlns="" xmlns:mv="urn:schemas-microsoft-com:mac:vml" xmlns:c="http://schemas.openxmlformats.org/drawingml/2006/chart" xmlns:dgm="http://schemas.openxmlformats.org/drawingml/2006/diagram" xmlns:o="urn:schemas-microsoft-com:office:office" xmlns:v="urn:schemas-microsoft-com:vml" xmlns:pvml="urn:schemas-microsoft-com:office:powerpoint" xmlns:com="http://schemas.openxmlformats.org/drawingml/2006/compatibility" xmlns:p15="http://schemas.microsoft.com/office/powerpoint/2012/main" xmlns:ahyp="http://schemas.microsoft.com/office/drawing/2018/hyperlinkcolor">
       <p:transition spd="slow">
         <p:fade/>
       </p:transition>
@@ -9344,7 +9344,7 @@
         </p:nvSpPr>
         <p:spPr>
           <a:xfrm>
-            <a:off x="1672763" y="767100"/>
+            <a:off x="1749202" y="345023"/>
             <a:ext cx="5645596" cy="2469123"/>
           </a:xfrm>
           <a:prstGeom prst="rect">
@@ -9367,17 +9367,17 @@
               <a:buNone/>
             </a:pPr>
             <a:r>
-              <a:rPr lang="en">
+              <a:rPr lang="en" dirty="0">
                 <a:solidFill>
                   <a:srgbClr val="B44141"/>
                 </a:solidFill>
                 <a:latin typeface="#9Slide03 Arima Madurai Black" panose="00000A00000000000000" pitchFamily="2" charset="0"/>
                 <a:cs typeface="#9Slide03 Arima Madurai Black" panose="00000A00000000000000" pitchFamily="2" charset="0"/>
               </a:rPr>
-              <a:t>Quản lý</a:t>
+              <a:t>Quản lý </a:t>
             </a:r>
             <a:br>
-              <a:rPr lang="en">
+              <a:rPr lang="en" dirty="0">
                 <a:solidFill>
                   <a:srgbClr val="B44141"/>
                 </a:solidFill>
@@ -9386,26 +9386,7 @@
               </a:rPr>
             </a:br>
             <a:r>
-              <a:rPr lang="en">
-                <a:solidFill>
-                  <a:srgbClr val="B44141"/>
-                </a:solidFill>
-                <a:latin typeface="#9Slide03 Arima Madurai Black" panose="00000A00000000000000" pitchFamily="2" charset="0"/>
-                <a:cs typeface="#9Slide03 Arima Madurai Black" panose="00000A00000000000000" pitchFamily="2" charset="0"/>
-              </a:rPr>
-              <a:t>điểm </a:t>
-            </a:r>
-            <a:br>
-              <a:rPr lang="en">
-                <a:solidFill>
-                  <a:srgbClr val="B44141"/>
-                </a:solidFill>
-                <a:latin typeface="#9Slide03 Arima Madurai Black" panose="00000A00000000000000" pitchFamily="2" charset="0"/>
-                <a:cs typeface="#9Slide03 Arima Madurai Black" panose="00000A00000000000000" pitchFamily="2" charset="0"/>
-              </a:rPr>
-            </a:br>
-            <a:r>
-              <a:rPr lang="en">
+              <a:rPr lang="en" dirty="0">
                 <a:solidFill>
                   <a:srgbClr val="B44141"/>
                 </a:solidFill>
@@ -9414,7 +9395,7 @@
               </a:rPr>
               <a:t>sinh viên</a:t>
             </a:r>
-            <a:endParaRPr>
+            <a:endParaRPr dirty="0">
               <a:solidFill>
                 <a:srgbClr val="B44141"/>
               </a:solidFill>
@@ -9960,7 +9941,7 @@
           <p:nvPr>
             <p:extLst>
               <p:ext uri="{D42A27DB-BD31-4B8C-83A1-F6EECF244321}">
-                <p14:modId xmlns:p14="http://schemas.microsoft.com/office/powerpoint/2010/main" val="3868662275"/>
+                <p14:modId xmlns:p14="http://schemas.microsoft.com/office/powerpoint/2010/main" val="1549467259"/>
               </p:ext>
             </p:extLst>
           </p:nvPr>
@@ -10126,7 +10107,7 @@
                     <a:lstStyle/>
                     <a:p>
                       <a:r>
-                        <a:rPr lang="en-US" sz="1400" b="0" i="0" u="none" strike="noStrike" cap="none">
+                        <a:rPr lang="en-US" sz="1400" b="0" i="0" u="none" strike="noStrike" cap="none" dirty="0">
                           <a:solidFill>
                             <a:schemeClr val="accent2"/>
                           </a:solidFill>
@@ -10136,7 +10117,241 @@
                           <a:cs typeface="+mn-cs"/>
                           <a:sym typeface="Arial"/>
                         </a:rPr>
-                        <a:t>"Sĩ số lớp có mã lớp 5 là 5 học sinh"</a:t>
+                        <a:t>"</a:t>
+                      </a:r>
+                      <a:r>
+                        <a:rPr lang="en-US" sz="1400" b="0" i="0" u="none" strike="noStrike" cap="none" dirty="0" err="1">
+                          <a:solidFill>
+                            <a:schemeClr val="accent2"/>
+                          </a:solidFill>
+                          <a:effectLst/>
+                          <a:latin typeface="+mn-lt"/>
+                          <a:ea typeface="+mn-ea"/>
+                          <a:cs typeface="+mn-cs"/>
+                          <a:sym typeface="Arial"/>
+                        </a:rPr>
+                        <a:t>Sĩ</a:t>
+                      </a:r>
+                      <a:r>
+                        <a:rPr lang="en-US" sz="1400" b="0" i="0" u="none" strike="noStrike" cap="none" dirty="0">
+                          <a:solidFill>
+                            <a:schemeClr val="accent2"/>
+                          </a:solidFill>
+                          <a:effectLst/>
+                          <a:latin typeface="+mn-lt"/>
+                          <a:ea typeface="+mn-ea"/>
+                          <a:cs typeface="+mn-cs"/>
+                          <a:sym typeface="Arial"/>
+                        </a:rPr>
+                        <a:t> </a:t>
+                      </a:r>
+                      <a:r>
+                        <a:rPr lang="en-US" sz="1400" b="0" i="0" u="none" strike="noStrike" cap="none" dirty="0" err="1">
+                          <a:solidFill>
+                            <a:schemeClr val="accent2"/>
+                          </a:solidFill>
+                          <a:effectLst/>
+                          <a:latin typeface="+mn-lt"/>
+                          <a:ea typeface="+mn-ea"/>
+                          <a:cs typeface="+mn-cs"/>
+                          <a:sym typeface="Arial"/>
+                        </a:rPr>
+                        <a:t>số</a:t>
+                      </a:r>
+                      <a:r>
+                        <a:rPr lang="en-US" sz="1400" b="0" i="0" u="none" strike="noStrike" cap="none" dirty="0">
+                          <a:solidFill>
+                            <a:schemeClr val="accent2"/>
+                          </a:solidFill>
+                          <a:effectLst/>
+                          <a:latin typeface="+mn-lt"/>
+                          <a:ea typeface="+mn-ea"/>
+                          <a:cs typeface="+mn-cs"/>
+                          <a:sym typeface="Arial"/>
+                        </a:rPr>
+                        <a:t> </a:t>
+                      </a:r>
+                      <a:r>
+                        <a:rPr lang="en-US" sz="1400" b="0" i="0" u="none" strike="noStrike" cap="none" dirty="0" err="1">
+                          <a:solidFill>
+                            <a:schemeClr val="accent2"/>
+                          </a:solidFill>
+                          <a:effectLst/>
+                          <a:latin typeface="+mn-lt"/>
+                          <a:ea typeface="+mn-ea"/>
+                          <a:cs typeface="+mn-cs"/>
+                          <a:sym typeface="Arial"/>
+                        </a:rPr>
+                        <a:t>lớp</a:t>
+                      </a:r>
+                      <a:r>
+                        <a:rPr lang="en-US" sz="1400" b="0" i="0" u="none" strike="noStrike" cap="none" dirty="0">
+                          <a:solidFill>
+                            <a:schemeClr val="accent2"/>
+                          </a:solidFill>
+                          <a:effectLst/>
+                          <a:latin typeface="+mn-lt"/>
+                          <a:ea typeface="+mn-ea"/>
+                          <a:cs typeface="+mn-cs"/>
+                          <a:sym typeface="Arial"/>
+                        </a:rPr>
+                        <a:t> </a:t>
+                      </a:r>
+                      <a:r>
+                        <a:rPr lang="en-US" sz="1400" b="0" i="0" u="none" strike="noStrike" cap="none" dirty="0" err="1">
+                          <a:solidFill>
+                            <a:schemeClr val="accent2"/>
+                          </a:solidFill>
+                          <a:effectLst/>
+                          <a:latin typeface="+mn-lt"/>
+                          <a:ea typeface="+mn-ea"/>
+                          <a:cs typeface="+mn-cs"/>
+                          <a:sym typeface="Arial"/>
+                        </a:rPr>
+                        <a:t>có</a:t>
+                      </a:r>
+                      <a:r>
+                        <a:rPr lang="en-US" sz="1400" b="0" i="0" u="none" strike="noStrike" cap="none" dirty="0">
+                          <a:solidFill>
+                            <a:schemeClr val="accent2"/>
+                          </a:solidFill>
+                          <a:effectLst/>
+                          <a:latin typeface="+mn-lt"/>
+                          <a:ea typeface="+mn-ea"/>
+                          <a:cs typeface="+mn-cs"/>
+                          <a:sym typeface="Arial"/>
+                        </a:rPr>
+                        <a:t> </a:t>
+                      </a:r>
+                      <a:r>
+                        <a:rPr lang="en-US" sz="1400" b="0" i="0" u="none" strike="noStrike" cap="none" dirty="0" err="1">
+                          <a:solidFill>
+                            <a:schemeClr val="accent2"/>
+                          </a:solidFill>
+                          <a:effectLst/>
+                          <a:latin typeface="+mn-lt"/>
+                          <a:ea typeface="+mn-ea"/>
+                          <a:cs typeface="+mn-cs"/>
+                          <a:sym typeface="Arial"/>
+                        </a:rPr>
+                        <a:t>mã</a:t>
+                      </a:r>
+                      <a:r>
+                        <a:rPr lang="en-US" sz="1400" b="0" i="0" u="none" strike="noStrike" cap="none" dirty="0">
+                          <a:solidFill>
+                            <a:schemeClr val="accent2"/>
+                          </a:solidFill>
+                          <a:effectLst/>
+                          <a:latin typeface="+mn-lt"/>
+                          <a:ea typeface="+mn-ea"/>
+                          <a:cs typeface="+mn-cs"/>
+                          <a:sym typeface="Arial"/>
+                        </a:rPr>
+                        <a:t> </a:t>
+                      </a:r>
+                      <a:r>
+                        <a:rPr lang="en-US" sz="1400" b="0" i="0" u="none" strike="noStrike" cap="none" dirty="0" err="1">
+                          <a:solidFill>
+                            <a:schemeClr val="accent2"/>
+                          </a:solidFill>
+                          <a:effectLst/>
+                          <a:latin typeface="+mn-lt"/>
+                          <a:ea typeface="+mn-ea"/>
+                          <a:cs typeface="+mn-cs"/>
+                          <a:sym typeface="Arial"/>
+                        </a:rPr>
+                        <a:t>lớp</a:t>
+                      </a:r>
+                      <a:r>
+                        <a:rPr lang="en-US" sz="1400" b="0" i="0" u="none" strike="noStrike" cap="none" dirty="0">
+                          <a:solidFill>
+                            <a:schemeClr val="accent2"/>
+                          </a:solidFill>
+                          <a:effectLst/>
+                          <a:latin typeface="+mn-lt"/>
+                          <a:ea typeface="+mn-ea"/>
+                          <a:cs typeface="+mn-cs"/>
+                          <a:sym typeface="Arial"/>
+                        </a:rPr>
+                        <a:t> 5 </a:t>
+                      </a:r>
+                      <a:r>
+                        <a:rPr lang="en-US" sz="1400" b="0" i="0" u="none" strike="noStrike" cap="none" dirty="0" err="1">
+                          <a:solidFill>
+                            <a:schemeClr val="accent2"/>
+                          </a:solidFill>
+                          <a:effectLst/>
+                          <a:latin typeface="+mn-lt"/>
+                          <a:ea typeface="+mn-ea"/>
+                          <a:cs typeface="+mn-cs"/>
+                          <a:sym typeface="Arial"/>
+                        </a:rPr>
+                        <a:t>là</a:t>
+                      </a:r>
+                      <a:r>
+                        <a:rPr lang="en-US" sz="1400" b="0" i="0" u="none" strike="noStrike" cap="none" dirty="0">
+                          <a:solidFill>
+                            <a:schemeClr val="accent2"/>
+                          </a:solidFill>
+                          <a:effectLst/>
+                          <a:latin typeface="+mn-lt"/>
+                          <a:ea typeface="+mn-ea"/>
+                          <a:cs typeface="+mn-cs"/>
+                          <a:sym typeface="Arial"/>
+                        </a:rPr>
+                        <a:t> 5 </a:t>
+                      </a:r>
+                      <a:r>
+                        <a:rPr lang="en-US" sz="1400" b="0" i="0" u="none" strike="noStrike" cap="none" dirty="0" err="1">
+                          <a:solidFill>
+                            <a:schemeClr val="accent2"/>
+                          </a:solidFill>
+                          <a:effectLst/>
+                          <a:latin typeface="+mn-lt"/>
+                          <a:ea typeface="+mn-ea"/>
+                          <a:cs typeface="+mn-cs"/>
+                          <a:sym typeface="Arial"/>
+                        </a:rPr>
+                        <a:t>sinh</a:t>
+                      </a:r>
+                      <a:r>
+                        <a:rPr lang="en-US" sz="1400" b="0" i="0" u="none" strike="noStrike" cap="none" dirty="0">
+                          <a:solidFill>
+                            <a:schemeClr val="accent2"/>
+                          </a:solidFill>
+                          <a:effectLst/>
+                          <a:latin typeface="+mn-lt"/>
+                          <a:ea typeface="+mn-ea"/>
+                          <a:cs typeface="+mn-cs"/>
+                          <a:sym typeface="Arial"/>
+                        </a:rPr>
+                        <a:t> </a:t>
+                      </a:r>
+                      <a:r>
+                        <a:rPr lang="en-US" sz="1400" b="0" i="0" u="none" strike="noStrike" cap="none" dirty="0" err="1">
+                          <a:solidFill>
+                            <a:schemeClr val="accent2"/>
+                          </a:solidFill>
+                          <a:effectLst/>
+                          <a:latin typeface="+mn-lt"/>
+                          <a:ea typeface="+mn-ea"/>
+                          <a:cs typeface="+mn-cs"/>
+                          <a:sym typeface="Arial"/>
+                        </a:rPr>
+                        <a:t>viên</a:t>
+                      </a:r>
+                      <a:r>
+                        <a:rPr lang="en-US" sz="1400" b="0" i="0" u="none" strike="noStrike" cap="none" dirty="0">
+                          <a:solidFill>
+                            <a:schemeClr val="accent2"/>
+                          </a:solidFill>
+                          <a:effectLst/>
+                          <a:latin typeface="+mn-lt"/>
+                          <a:ea typeface="+mn-ea"/>
+                          <a:cs typeface="+mn-cs"/>
+                          <a:sym typeface="Arial"/>
+                        </a:rPr>
+                        <a:t>"</a:t>
                       </a:r>
                     </a:p>
                   </a:txBody>
@@ -11604,7 +11819,7 @@
           <p:nvPr>
             <p:extLst>
               <p:ext uri="{D42A27DB-BD31-4B8C-83A1-F6EECF244321}">
-                <p14:modId xmlns:p14="http://schemas.microsoft.com/office/powerpoint/2010/main" val="4008355569"/>
+                <p14:modId xmlns:p14="http://schemas.microsoft.com/office/powerpoint/2010/main" val="438136405"/>
               </p:ext>
             </p:extLst>
           </p:nvPr>
@@ -11755,7 +11970,7 @@
                     <a:lstStyle/>
                     <a:p>
                       <a:r>
-                        <a:rPr lang="en-US" sz="1400" b="0" i="0" u="none" strike="noStrike" cap="none">
+                        <a:rPr lang="en-US" sz="1400" b="0" i="0" u="none" strike="noStrike" cap="none" dirty="0">
                           <a:solidFill>
                             <a:schemeClr val="accent2"/>
                           </a:solidFill>
@@ -11765,9 +11980,269 @@
                           <a:cs typeface="+mn-cs"/>
                           <a:sym typeface="Arial"/>
                         </a:rPr>
-                        <a:t>"Mr. Jordan Salmon mã học sinh 1 có điểm cuối kì trung bình là 2.8600000000000003"</a:t>
+                        <a:t>"Mr. Jordan Salmon </a:t>
                       </a:r>
-                      <a:endParaRPr lang="en-US">
+                      <a:r>
+                        <a:rPr lang="en-US" sz="1400" b="0" i="0" u="none" strike="noStrike" cap="none" dirty="0" err="1">
+                          <a:solidFill>
+                            <a:schemeClr val="accent2"/>
+                          </a:solidFill>
+                          <a:effectLst/>
+                          <a:latin typeface="+mn-lt"/>
+                          <a:ea typeface="+mn-ea"/>
+                          <a:cs typeface="+mn-cs"/>
+                          <a:sym typeface="Arial"/>
+                        </a:rPr>
+                        <a:t>mã</a:t>
+                      </a:r>
+                      <a:r>
+                        <a:rPr lang="en-US" sz="1400" b="0" i="0" u="none" strike="noStrike" cap="none" dirty="0">
+                          <a:solidFill>
+                            <a:schemeClr val="accent2"/>
+                          </a:solidFill>
+                          <a:effectLst/>
+                          <a:latin typeface="+mn-lt"/>
+                          <a:ea typeface="+mn-ea"/>
+                          <a:cs typeface="+mn-cs"/>
+                          <a:sym typeface="Arial"/>
+                        </a:rPr>
+                        <a:t> </a:t>
+                      </a:r>
+                      <a:r>
+                        <a:rPr lang="en-US" sz="1400" b="0" i="0" u="none" strike="noStrike" cap="none" dirty="0" err="1">
+                          <a:solidFill>
+                            <a:schemeClr val="accent2"/>
+                          </a:solidFill>
+                          <a:effectLst/>
+                          <a:latin typeface="+mn-lt"/>
+                          <a:ea typeface="+mn-ea"/>
+                          <a:cs typeface="+mn-cs"/>
+                          <a:sym typeface="Arial"/>
+                        </a:rPr>
+                        <a:t>sinh</a:t>
+                      </a:r>
+                      <a:r>
+                        <a:rPr lang="en-US" sz="1400" b="0" i="0" u="none" strike="noStrike" cap="none" dirty="0">
+                          <a:solidFill>
+                            <a:schemeClr val="accent2"/>
+                          </a:solidFill>
+                          <a:effectLst/>
+                          <a:latin typeface="+mn-lt"/>
+                          <a:ea typeface="+mn-ea"/>
+                          <a:cs typeface="+mn-cs"/>
+                          <a:sym typeface="Arial"/>
+                        </a:rPr>
+                        <a:t> </a:t>
+                      </a:r>
+                      <a:r>
+                        <a:rPr lang="en-US" sz="1400" b="0" i="0" u="none" strike="noStrike" cap="none" dirty="0" err="1">
+                          <a:solidFill>
+                            <a:schemeClr val="accent2"/>
+                          </a:solidFill>
+                          <a:effectLst/>
+                          <a:latin typeface="+mn-lt"/>
+                          <a:ea typeface="+mn-ea"/>
+                          <a:cs typeface="+mn-cs"/>
+                          <a:sym typeface="Arial"/>
+                        </a:rPr>
+                        <a:t>viên</a:t>
+                      </a:r>
+                      <a:r>
+                        <a:rPr lang="en-US" sz="1400" b="0" i="0" u="none" strike="noStrike" cap="none" dirty="0">
+                          <a:solidFill>
+                            <a:schemeClr val="accent2"/>
+                          </a:solidFill>
+                          <a:effectLst/>
+                          <a:latin typeface="+mn-lt"/>
+                          <a:ea typeface="+mn-ea"/>
+                          <a:cs typeface="+mn-cs"/>
+                          <a:sym typeface="Arial"/>
+                        </a:rPr>
+                        <a:t> 1 </a:t>
+                      </a:r>
+                      <a:r>
+                        <a:rPr lang="en-US" sz="1400" b="0" i="0" u="none" strike="noStrike" cap="none" dirty="0" err="1">
+                          <a:solidFill>
+                            <a:schemeClr val="accent2"/>
+                          </a:solidFill>
+                          <a:effectLst/>
+                          <a:latin typeface="+mn-lt"/>
+                          <a:ea typeface="+mn-ea"/>
+                          <a:cs typeface="+mn-cs"/>
+                          <a:sym typeface="Arial"/>
+                        </a:rPr>
+                        <a:t>có</a:t>
+                      </a:r>
+                      <a:r>
+                        <a:rPr lang="en-US" sz="1400" b="0" i="0" u="none" strike="noStrike" cap="none" dirty="0">
+                          <a:solidFill>
+                            <a:schemeClr val="accent2"/>
+                          </a:solidFill>
+                          <a:effectLst/>
+                          <a:latin typeface="+mn-lt"/>
+                          <a:ea typeface="+mn-ea"/>
+                          <a:cs typeface="+mn-cs"/>
+                          <a:sym typeface="Arial"/>
+                        </a:rPr>
+                        <a:t> </a:t>
+                      </a:r>
+                      <a:r>
+                        <a:rPr lang="en-US" sz="1400" b="0" i="0" u="none" strike="noStrike" cap="none" dirty="0" err="1">
+                          <a:solidFill>
+                            <a:schemeClr val="accent2"/>
+                          </a:solidFill>
+                          <a:effectLst/>
+                          <a:latin typeface="+mn-lt"/>
+                          <a:ea typeface="+mn-ea"/>
+                          <a:cs typeface="+mn-cs"/>
+                          <a:sym typeface="Arial"/>
+                        </a:rPr>
+                        <a:t>điểm</a:t>
+                      </a:r>
+                      <a:r>
+                        <a:rPr lang="en-US" sz="1400" b="0" i="0" u="none" strike="noStrike" cap="none" dirty="0">
+                          <a:solidFill>
+                            <a:schemeClr val="accent2"/>
+                          </a:solidFill>
+                          <a:effectLst/>
+                          <a:latin typeface="+mn-lt"/>
+                          <a:ea typeface="+mn-ea"/>
+                          <a:cs typeface="+mn-cs"/>
+                          <a:sym typeface="Arial"/>
+                        </a:rPr>
+                        <a:t> </a:t>
+                      </a:r>
+                      <a:r>
+                        <a:rPr lang="en-US" sz="1400" b="0" i="0" u="none" strike="noStrike" cap="none" dirty="0" err="1">
+                          <a:solidFill>
+                            <a:schemeClr val="accent2"/>
+                          </a:solidFill>
+                          <a:effectLst/>
+                          <a:latin typeface="+mn-lt"/>
+                          <a:ea typeface="+mn-ea"/>
+                          <a:cs typeface="+mn-cs"/>
+                          <a:sym typeface="Arial"/>
+                        </a:rPr>
+                        <a:t>cuối</a:t>
+                      </a:r>
+                      <a:r>
+                        <a:rPr lang="en-US" sz="1400" b="0" i="0" u="none" strike="noStrike" cap="none" dirty="0">
+                          <a:solidFill>
+                            <a:schemeClr val="accent2"/>
+                          </a:solidFill>
+                          <a:effectLst/>
+                          <a:latin typeface="+mn-lt"/>
+                          <a:ea typeface="+mn-ea"/>
+                          <a:cs typeface="+mn-cs"/>
+                          <a:sym typeface="Arial"/>
+                        </a:rPr>
+                        <a:t> </a:t>
+                      </a:r>
+                      <a:r>
+                        <a:rPr lang="en-US" sz="1400" b="0" i="0" u="none" strike="noStrike" cap="none" dirty="0" err="1">
+                          <a:solidFill>
+                            <a:schemeClr val="accent2"/>
+                          </a:solidFill>
+                          <a:effectLst/>
+                          <a:latin typeface="+mn-lt"/>
+                          <a:ea typeface="+mn-ea"/>
+                          <a:cs typeface="+mn-cs"/>
+                          <a:sym typeface="Arial"/>
+                        </a:rPr>
+                        <a:t>kì</a:t>
+                      </a:r>
+                      <a:r>
+                        <a:rPr lang="en-US" sz="1400" b="0" i="0" u="none" strike="noStrike" cap="none" dirty="0">
+                          <a:solidFill>
+                            <a:schemeClr val="accent2"/>
+                          </a:solidFill>
+                          <a:effectLst/>
+                          <a:latin typeface="+mn-lt"/>
+                          <a:ea typeface="+mn-ea"/>
+                          <a:cs typeface="+mn-cs"/>
+                          <a:sym typeface="Arial"/>
+                        </a:rPr>
+                        <a:t> </a:t>
+                      </a:r>
+                      <a:r>
+                        <a:rPr lang="en-US" sz="1400" b="0" i="0" u="none" strike="noStrike" cap="none" dirty="0" err="1">
+                          <a:solidFill>
+                            <a:schemeClr val="accent2"/>
+                          </a:solidFill>
+                          <a:effectLst/>
+                          <a:latin typeface="+mn-lt"/>
+                          <a:ea typeface="+mn-ea"/>
+                          <a:cs typeface="+mn-cs"/>
+                          <a:sym typeface="Arial"/>
+                        </a:rPr>
+                        <a:t>trung</a:t>
+                      </a:r>
+                      <a:r>
+                        <a:rPr lang="en-US" sz="1400" b="0" i="0" u="none" strike="noStrike" cap="none" dirty="0">
+                          <a:solidFill>
+                            <a:schemeClr val="accent2"/>
+                          </a:solidFill>
+                          <a:effectLst/>
+                          <a:latin typeface="+mn-lt"/>
+                          <a:ea typeface="+mn-ea"/>
+                          <a:cs typeface="+mn-cs"/>
+                          <a:sym typeface="Arial"/>
+                        </a:rPr>
+                        <a:t> </a:t>
+                      </a:r>
+                      <a:r>
+                        <a:rPr lang="en-US" sz="1400" b="0" i="0" u="none" strike="noStrike" cap="none" dirty="0" err="1">
+                          <a:solidFill>
+                            <a:schemeClr val="accent2"/>
+                          </a:solidFill>
+                          <a:effectLst/>
+                          <a:latin typeface="+mn-lt"/>
+                          <a:ea typeface="+mn-ea"/>
+                          <a:cs typeface="+mn-cs"/>
+                          <a:sym typeface="Arial"/>
+                        </a:rPr>
+                        <a:t>bình</a:t>
+                      </a:r>
+                      <a:r>
+                        <a:rPr lang="en-US" sz="1400" b="0" i="0" u="none" strike="noStrike" cap="none" dirty="0">
+                          <a:solidFill>
+                            <a:schemeClr val="accent2"/>
+                          </a:solidFill>
+                          <a:effectLst/>
+                          <a:latin typeface="+mn-lt"/>
+                          <a:ea typeface="+mn-ea"/>
+                          <a:cs typeface="+mn-cs"/>
+                          <a:sym typeface="Arial"/>
+                        </a:rPr>
+                        <a:t> </a:t>
+                      </a:r>
+                      <a:r>
+                        <a:rPr lang="en-US" sz="1400" b="0" i="0" u="none" strike="noStrike" cap="none" dirty="0" err="1">
+                          <a:solidFill>
+                            <a:schemeClr val="accent2"/>
+                          </a:solidFill>
+                          <a:effectLst/>
+                          <a:latin typeface="+mn-lt"/>
+                          <a:ea typeface="+mn-ea"/>
+                          <a:cs typeface="+mn-cs"/>
+                          <a:sym typeface="Arial"/>
+                        </a:rPr>
+                        <a:t>là</a:t>
+                      </a:r>
+                      <a:r>
+                        <a:rPr lang="en-US" sz="1400" b="0" i="0" u="none" strike="noStrike" cap="none" dirty="0">
+                          <a:solidFill>
+                            <a:schemeClr val="accent2"/>
+                          </a:solidFill>
+                          <a:effectLst/>
+                          <a:latin typeface="+mn-lt"/>
+                          <a:ea typeface="+mn-ea"/>
+                          <a:cs typeface="+mn-cs"/>
+                          <a:sym typeface="Arial"/>
+                        </a:rPr>
+                        <a:t> 2.8600000000000003"</a:t>
+                      </a:r>
+                      <a:endParaRPr lang="en-US" dirty="0">
                         <a:solidFill>
                           <a:schemeClr val="accent2"/>
                         </a:solidFill>
@@ -20336,7 +20811,7 @@
           <p:nvPr>
             <p:extLst>
               <p:ext uri="{D42A27DB-BD31-4B8C-83A1-F6EECF244321}">
-                <p14:modId xmlns:p14="http://schemas.microsoft.com/office/powerpoint/2010/main" val="2263770618"/>
+                <p14:modId xmlns:p14="http://schemas.microsoft.com/office/powerpoint/2010/main" val="1430620232"/>
               </p:ext>
             </p:extLst>
           </p:nvPr>
@@ -20544,7 +21019,7 @@
                     <a:lstStyle/>
                     <a:p>
                       <a:r>
-                        <a:rPr lang="en-US">
+                        <a:rPr lang="en-US" dirty="0">
                           <a:solidFill>
                             <a:schemeClr val="accent2"/>
                           </a:solidFill>
@@ -20552,7 +21027,7 @@
                         <a:t>{ "msg": </a:t>
                       </a:r>
                       <a:r>
-                        <a:rPr lang="en-US" sz="1400" b="0" i="0" u="none" strike="noStrike" cap="none">
+                        <a:rPr lang="en-US" sz="1400" b="0" i="0" u="none" strike="noStrike" cap="none" dirty="0">
                           <a:solidFill>
                             <a:schemeClr val="accent2"/>
                           </a:solidFill>
@@ -20562,10 +21037,140 @@
                           <a:cs typeface="+mn-cs"/>
                           <a:sym typeface="Arial"/>
                         </a:rPr>
-                        <a:t>"Số học sinh qua môn Python là: 294"</a:t>
+                        <a:t>"</a:t>
                       </a:r>
                       <a:r>
-                        <a:rPr lang="en-US">
+                        <a:rPr lang="en-US" sz="1400" b="0" i="0" u="none" strike="noStrike" cap="none" dirty="0" err="1">
+                          <a:solidFill>
+                            <a:schemeClr val="accent2"/>
+                          </a:solidFill>
+                          <a:effectLst/>
+                          <a:latin typeface="+mn-lt"/>
+                          <a:ea typeface="+mn-ea"/>
+                          <a:cs typeface="+mn-cs"/>
+                          <a:sym typeface="Arial"/>
+                        </a:rPr>
+                        <a:t>Số</a:t>
+                      </a:r>
+                      <a:r>
+                        <a:rPr lang="en-US" sz="1400" b="0" i="0" u="none" strike="noStrike" cap="none" dirty="0">
+                          <a:solidFill>
+                            <a:schemeClr val="accent2"/>
+                          </a:solidFill>
+                          <a:effectLst/>
+                          <a:latin typeface="+mn-lt"/>
+                          <a:ea typeface="+mn-ea"/>
+                          <a:cs typeface="+mn-cs"/>
+                          <a:sym typeface="Arial"/>
+                        </a:rPr>
+                        <a:t> </a:t>
+                      </a:r>
+                      <a:r>
+                        <a:rPr lang="en-US" sz="1400" b="0" i="0" u="none" strike="noStrike" cap="none" dirty="0" err="1">
+                          <a:solidFill>
+                            <a:schemeClr val="accent2"/>
+                          </a:solidFill>
+                          <a:effectLst/>
+                          <a:latin typeface="+mn-lt"/>
+                          <a:ea typeface="+mn-ea"/>
+                          <a:cs typeface="+mn-cs"/>
+                          <a:sym typeface="Arial"/>
+                        </a:rPr>
+                        <a:t>sinh</a:t>
+                      </a:r>
+                      <a:r>
+                        <a:rPr lang="en-US" sz="1400" b="0" i="0" u="none" strike="noStrike" cap="none" dirty="0">
+                          <a:solidFill>
+                            <a:schemeClr val="accent2"/>
+                          </a:solidFill>
+                          <a:effectLst/>
+                          <a:latin typeface="+mn-lt"/>
+                          <a:ea typeface="+mn-ea"/>
+                          <a:cs typeface="+mn-cs"/>
+                          <a:sym typeface="Arial"/>
+                        </a:rPr>
+                        <a:t> </a:t>
+                      </a:r>
+                      <a:r>
+                        <a:rPr lang="en-US" sz="1400" b="0" i="0" u="none" strike="noStrike" cap="none" dirty="0" err="1">
+                          <a:solidFill>
+                            <a:schemeClr val="accent2"/>
+                          </a:solidFill>
+                          <a:effectLst/>
+                          <a:latin typeface="+mn-lt"/>
+                          <a:ea typeface="+mn-ea"/>
+                          <a:cs typeface="+mn-cs"/>
+                          <a:sym typeface="Arial"/>
+                        </a:rPr>
+                        <a:t>viên</a:t>
+                      </a:r>
+                      <a:r>
+                        <a:rPr lang="en-US" sz="1400" b="0" i="0" u="none" strike="noStrike" cap="none" dirty="0">
+                          <a:solidFill>
+                            <a:schemeClr val="accent2"/>
+                          </a:solidFill>
+                          <a:effectLst/>
+                          <a:latin typeface="+mn-lt"/>
+                          <a:ea typeface="+mn-ea"/>
+                          <a:cs typeface="+mn-cs"/>
+                          <a:sym typeface="Arial"/>
+                        </a:rPr>
+                        <a:t> qua </a:t>
+                      </a:r>
+                      <a:r>
+                        <a:rPr lang="en-US" sz="1400" b="0" i="0" u="none" strike="noStrike" cap="none" dirty="0" err="1">
+                          <a:solidFill>
+                            <a:schemeClr val="accent2"/>
+                          </a:solidFill>
+                          <a:effectLst/>
+                          <a:latin typeface="+mn-lt"/>
+                          <a:ea typeface="+mn-ea"/>
+                          <a:cs typeface="+mn-cs"/>
+                          <a:sym typeface="Arial"/>
+                        </a:rPr>
+                        <a:t>môn</a:t>
+                      </a:r>
+                      <a:r>
+                        <a:rPr lang="en-US" sz="1400" b="0" i="0" u="none" strike="noStrike" cap="none" dirty="0">
+                          <a:solidFill>
+                            <a:schemeClr val="accent2"/>
+                          </a:solidFill>
+                          <a:effectLst/>
+                          <a:latin typeface="+mn-lt"/>
+                          <a:ea typeface="+mn-ea"/>
+                          <a:cs typeface="+mn-cs"/>
+                          <a:sym typeface="Arial"/>
+                        </a:rPr>
+                        <a:t> Python </a:t>
+                      </a:r>
+                      <a:r>
+                        <a:rPr lang="en-US" sz="1400" b="0" i="0" u="none" strike="noStrike" cap="none" dirty="0" err="1">
+                          <a:solidFill>
+                            <a:schemeClr val="accent2"/>
+                          </a:solidFill>
+                          <a:effectLst/>
+                          <a:latin typeface="+mn-lt"/>
+                          <a:ea typeface="+mn-ea"/>
+                          <a:cs typeface="+mn-cs"/>
+                          <a:sym typeface="Arial"/>
+                        </a:rPr>
+                        <a:t>là</a:t>
+                      </a:r>
+                      <a:r>
+                        <a:rPr lang="en-US" sz="1400" b="0" i="0" u="none" strike="noStrike" cap="none" dirty="0">
+                          <a:solidFill>
+                            <a:schemeClr val="accent2"/>
+                          </a:solidFill>
+                          <a:effectLst/>
+                          <a:latin typeface="+mn-lt"/>
+                          <a:ea typeface="+mn-ea"/>
+                          <a:cs typeface="+mn-cs"/>
+                          <a:sym typeface="Arial"/>
+                        </a:rPr>
+                        <a:t>: 294"</a:t>
+                      </a:r>
+                      <a:r>
+                        <a:rPr lang="en-US" dirty="0">
                           <a:solidFill>
                             <a:schemeClr val="accent2"/>
                           </a:solidFill>
@@ -23197,8 +23802,25 @@
                 <a:latin typeface="+mj-lt"/>
                 <a:cs typeface="#9Slide03 Cousine" panose="020B0604020202020204" charset="0"/>
               </a:rPr>
-              <a:t>Quản lý lương nhân viên</a:t>
+              <a:t>Quản </a:t>
             </a:r>
+            <a:r>
+              <a:rPr lang="vi-VN" sz="1500" dirty="0">
+                <a:solidFill>
+                  <a:srgbClr val="B44141"/>
+                </a:solidFill>
+                <a:latin typeface="+mj-lt"/>
+                <a:cs typeface="#9Slide03 Cousine" panose="020B0604020202020204" charset="0"/>
+              </a:rPr>
+              <a:t>lý sinh viên</a:t>
+            </a:r>
+            <a:endParaRPr lang="en" sz="1500" dirty="0">
+              <a:solidFill>
+                <a:srgbClr val="B44141"/>
+              </a:solidFill>
+              <a:latin typeface="+mj-lt"/>
+              <a:cs typeface="#9Slide03 Cousine" panose="020B0604020202020204" charset="0"/>
+            </a:endParaRPr>
           </a:p>
           <a:p>
             <a:pPr marL="0" lvl="0" indent="0" algn="l" rtl="0">
@@ -23268,7 +23890,7 @@
                 <a:latin typeface="+mj-lt"/>
                 <a:cs typeface="#9Slide03 Cousine" panose="020B0604020202020204" charset="0"/>
               </a:rPr>
-              <a:t>, SQLite </a:t>
+              <a:t>, SQLite3 </a:t>
             </a:r>
           </a:p>
           <a:p>
@@ -23385,14 +24007,14 @@
           <p:nvPr>
             <p:extLst>
               <p:ext uri="{D42A27DB-BD31-4B8C-83A1-F6EECF244321}">
-                <p14:modId xmlns:p14="http://schemas.microsoft.com/office/powerpoint/2010/main" val="211343550"/>
+                <p14:modId xmlns:p14="http://schemas.microsoft.com/office/powerpoint/2010/main" val="3362181098"/>
               </p:ext>
             </p:extLst>
           </p:nvPr>
         </p:nvGraphicFramePr>
         <p:xfrm>
           <a:off x="1517851" y="2407658"/>
-          <a:ext cx="6599208" cy="1707143"/>
+          <a:ext cx="6599208" cy="1838755"/>
         </p:xfrm>
         <a:graphic>
           <a:graphicData uri="http://schemas.openxmlformats.org/drawingml/2006/table">
@@ -23547,14 +24169,83 @@
                     <a:p>
                       <a:pPr algn="l"/>
                       <a:r>
-                        <a:rPr lang="en-US">
+                        <a:rPr lang="en-US" dirty="0" err="1">
                           <a:solidFill>
                             <a:srgbClr val="B44141"/>
                           </a:solidFill>
                           <a:latin typeface="Arial (Headings)"/>
                         </a:rPr>
-                        <a:t>Kết nối CSDL, viết API</a:t>
+                        <a:t>Kết</a:t>
                       </a:r>
+                      <a:r>
+                        <a:rPr lang="en-US" dirty="0">
+                          <a:solidFill>
+                            <a:srgbClr val="B44141"/>
+                          </a:solidFill>
+                          <a:latin typeface="Arial (Headings)"/>
+                        </a:rPr>
+                        <a:t> </a:t>
+                      </a:r>
+                      <a:r>
+                        <a:rPr lang="en-US" dirty="0" err="1">
+                          <a:solidFill>
+                            <a:srgbClr val="B44141"/>
+                          </a:solidFill>
+                          <a:latin typeface="Arial (Headings)"/>
+                        </a:rPr>
+                        <a:t>nối</a:t>
+                      </a:r>
+                      <a:r>
+                        <a:rPr lang="en-US" dirty="0">
+                          <a:solidFill>
+                            <a:srgbClr val="B44141"/>
+                          </a:solidFill>
+                          <a:latin typeface="Arial (Headings)"/>
+                        </a:rPr>
+                        <a:t> CSDL, </a:t>
+                      </a:r>
+                      <a:r>
+                        <a:rPr lang="en-US" dirty="0" err="1">
+                          <a:solidFill>
+                            <a:srgbClr val="B44141"/>
+                          </a:solidFill>
+                          <a:latin typeface="Arial (Headings)"/>
+                        </a:rPr>
+                        <a:t>viết</a:t>
+                      </a:r>
+                      <a:r>
+                        <a:rPr lang="en-US" dirty="0">
+                          <a:solidFill>
+                            <a:srgbClr val="B44141"/>
+                          </a:solidFill>
+                          <a:latin typeface="Arial (Headings)"/>
+                        </a:rPr>
+                        <a:t> API</a:t>
+                      </a:r>
+                      <a:endParaRPr lang="vi-VN" dirty="0">
+                        <a:solidFill>
+                          <a:srgbClr val="B44141"/>
+                        </a:solidFill>
+                        <a:latin typeface="Arial (Headings)"/>
+                      </a:endParaRPr>
+                    </a:p>
+                    <a:p>
+                      <a:pPr algn="l"/>
+                      <a:r>
+                        <a:rPr lang="vi-VN" dirty="0">
+                          <a:solidFill>
+                            <a:srgbClr val="B44141"/>
+                          </a:solidFill>
+                          <a:latin typeface="Arial (Headings)"/>
+                        </a:rPr>
+                        <a:t>Làm SwaggerUI</a:t>
+                      </a:r>
+                      <a:endParaRPr lang="en-US" dirty="0">
+                        <a:solidFill>
+                          <a:srgbClr val="B44141"/>
+                        </a:solidFill>
+                        <a:latin typeface="Arial (Headings)"/>
+                      </a:endParaRPr>
                     </a:p>
                   </a:txBody>
                   <a:tcPr/>
@@ -23675,13 +24366,40 @@
                     <a:p>
                       <a:pPr algn="l"/>
                       <a:r>
-                        <a:rPr lang="en-US">
+                        <a:rPr lang="en-US" dirty="0" err="1">
                           <a:solidFill>
                             <a:srgbClr val="B44141"/>
                           </a:solidFill>
                           <a:latin typeface="Arial (Headings)"/>
                         </a:rPr>
-                        <a:t>Làm PowerPoint, viết API</a:t>
+                        <a:t>Làm</a:t>
+                      </a:r>
+                      <a:r>
+                        <a:rPr lang="en-US" dirty="0">
+                          <a:solidFill>
+                            <a:srgbClr val="B44141"/>
+                          </a:solidFill>
+                          <a:latin typeface="Arial (Headings)"/>
+                        </a:rPr>
+                        <a:t> PowerPoint, </a:t>
+                      </a:r>
+                      <a:r>
+                        <a:rPr lang="en-US" dirty="0" err="1">
+                          <a:solidFill>
+                            <a:srgbClr val="B44141"/>
+                          </a:solidFill>
+                          <a:latin typeface="Arial (Headings)"/>
+                        </a:rPr>
+                        <a:t>viết</a:t>
+                      </a:r>
+                      <a:r>
+                        <a:rPr lang="en-US" dirty="0">
+                          <a:solidFill>
+                            <a:srgbClr val="B44141"/>
+                          </a:solidFill>
+                          <a:latin typeface="Arial (Headings)"/>
+                        </a:rPr>
+                        <a:t> API</a:t>
                       </a:r>
                     </a:p>
                   </a:txBody>
@@ -27597,7 +28315,7 @@
           <p:nvPr>
             <p:extLst>
               <p:ext uri="{D42A27DB-BD31-4B8C-83A1-F6EECF244321}">
-                <p14:modId xmlns:p14="http://schemas.microsoft.com/office/powerpoint/2010/main" val="931102525"/>
+                <p14:modId xmlns:p14="http://schemas.microsoft.com/office/powerpoint/2010/main" val="2220487216"/>
               </p:ext>
             </p:extLst>
           </p:nvPr>
